--- a/docs/progress/group_progress/20211119グループ進捗報告書.pptx
+++ b/docs/progress/group_progress/20211119グループ進捗報告書.pptx
@@ -4850,14 +4850,14 @@
           <p:nvPr>
             <p:extLst>
               <p:ext uri="{D42A27DB-BD31-4B8C-83A1-F6EECF244321}">
-                <p14:modId xmlns:p14="http://schemas.microsoft.com/office/powerpoint/2010/main" val="822737165"/>
+                <p14:modId xmlns:p14="http://schemas.microsoft.com/office/powerpoint/2010/main" val="2468737956"/>
               </p:ext>
             </p:extLst>
           </p:nvPr>
         </p:nvGraphicFramePr>
         <p:xfrm>
           <a:off x="838200" y="1943100"/>
-          <a:ext cx="10515600" cy="3660140"/>
+          <a:ext cx="10515600" cy="1466850"/>
         </p:xfrm>
         <a:graphic>
           <a:graphicData uri="http://schemas.openxmlformats.org/drawingml/2006/table">
@@ -4998,7 +4998,7 @@
                     <a:p>
                       <a:r>
                         <a:rPr kumimoji="1" lang="en-US" altLang="ja-JP" dirty="0"/>
-                        <a:t>11/15</a:t>
+                        <a:t>11/23</a:t>
                       </a:r>
                       <a:endParaRPr kumimoji="1" lang="ja-JP" altLang="en-US" dirty="0"/>
                     </a:p>
@@ -5051,39 +5051,20 @@
                         <a:rPr kumimoji="1" lang="ja-JP" altLang="en-US" dirty="0"/>
                         <a:t>会議実施</a:t>
                       </a:r>
-                      <a:r>
-                        <a:rPr kumimoji="1" lang="en-US" altLang="ja-JP" dirty="0"/>
-                        <a:t>(</a:t>
-                      </a:r>
-                      <a:r>
-                        <a:rPr kumimoji="1" lang="ja-JP" altLang="en-US" dirty="0"/>
-                        <a:t>全員</a:t>
-                      </a:r>
-                      <a:r>
-                        <a:rPr kumimoji="1" lang="en-US" altLang="ja-JP" dirty="0"/>
-                        <a:t>)</a:t>
-                      </a:r>
+                      <a:endParaRPr kumimoji="1" lang="en-US" altLang="ja-JP" dirty="0"/>
                     </a:p>
                     <a:p>
                       <a:r>
                         <a:rPr kumimoji="1" lang="ja-JP" altLang="en-US" dirty="0"/>
-                        <a:t>・第１回インスペクションによる画面シナリオの修正　</a:t>
-                      </a:r>
-                      <a:r>
-                        <a:rPr kumimoji="1" lang="en-US" altLang="ja-JP" dirty="0">
-                          <a:solidFill>
-                            <a:srgbClr val="FF0000"/>
-                          </a:solidFill>
-                        </a:rPr>
-                        <a:t>1</a:t>
-                      </a:r>
-                      <a:r>
-                        <a:rPr kumimoji="1" lang="ja-JP" altLang="en-US" dirty="0">
-                          <a:solidFill>
-                            <a:srgbClr val="FF0000"/>
-                          </a:solidFill>
-                        </a:rPr>
-                        <a:t>日では修正完了ならず</a:t>
+                        <a:t>・クラス図</a:t>
+                      </a:r>
+                      <a:r>
+                        <a:rPr kumimoji="1" lang="en-US" altLang="ja-JP" dirty="0"/>
+                        <a:t>/</a:t>
+                      </a:r>
+                      <a:r>
+                        <a:rPr kumimoji="1" lang="ja-JP" altLang="en-US" dirty="0"/>
+                        <a:t>データ設計書作成</a:t>
                       </a:r>
                       <a:endParaRPr kumimoji="1" lang="en-US" altLang="ja-JP" dirty="0"/>
                     </a:p>
@@ -5133,350 +5114,6 @@
                 <a:extLst>
                   <a:ext uri="{0D108BD9-81ED-4DB2-BD59-A6C34878D82A}">
                     <a16:rowId xmlns:a16="http://schemas.microsoft.com/office/drawing/2014/main" val="3080047108"/>
-                  </a:ext>
-                </a:extLst>
-              </a:tr>
-              <a:tr h="730250">
-                <a:tc>
-                  <a:txBody>
-                    <a:bodyPr/>
-                    <a:lstStyle/>
-                    <a:p>
-                      <a:r>
-                        <a:rPr kumimoji="1" lang="en-US" altLang="ja-JP" dirty="0"/>
-                        <a:t>11/16</a:t>
-                      </a:r>
-                      <a:endParaRPr kumimoji="1" lang="ja-JP" altLang="en-US" dirty="0"/>
-                    </a:p>
-                  </a:txBody>
-                  <a:tcPr>
-                    <a:lnL w="12700" cap="flat" cmpd="sng" algn="ctr">
-                      <a:solidFill>
-                        <a:schemeClr val="tx1"/>
-                      </a:solidFill>
-                      <a:prstDash val="solid"/>
-                      <a:round/>
-                      <a:headEnd type="none" w="med" len="med"/>
-                      <a:tailEnd type="none" w="med" len="med"/>
-                    </a:lnL>
-                    <a:lnR w="12700" cap="flat" cmpd="sng" algn="ctr">
-                      <a:solidFill>
-                        <a:schemeClr val="tx1"/>
-                      </a:solidFill>
-                      <a:prstDash val="solid"/>
-                      <a:round/>
-                      <a:headEnd type="none" w="med" len="med"/>
-                      <a:tailEnd type="none" w="med" len="med"/>
-                    </a:lnR>
-                    <a:lnT w="12700" cap="flat" cmpd="sng" algn="ctr">
-                      <a:solidFill>
-                        <a:schemeClr val="tx1"/>
-                      </a:solidFill>
-                      <a:prstDash val="solid"/>
-                      <a:round/>
-                      <a:headEnd type="none" w="med" len="med"/>
-                      <a:tailEnd type="none" w="med" len="med"/>
-                    </a:lnT>
-                    <a:lnB w="12700" cap="flat" cmpd="sng" algn="ctr">
-                      <a:solidFill>
-                        <a:schemeClr val="tx1"/>
-                      </a:solidFill>
-                      <a:prstDash val="solid"/>
-                      <a:round/>
-                      <a:headEnd type="none" w="med" len="med"/>
-                      <a:tailEnd type="none" w="med" len="med"/>
-                    </a:lnB>
-                  </a:tcPr>
-                </a:tc>
-                <a:tc>
-                  <a:txBody>
-                    <a:bodyPr/>
-                    <a:lstStyle/>
-                    <a:p>
-                      <a:r>
-                        <a:rPr kumimoji="1" lang="ja-JP" altLang="en-US" dirty="0"/>
-                        <a:t>会議実施</a:t>
-                      </a:r>
-                      <a:r>
-                        <a:rPr kumimoji="1" lang="en-US" altLang="ja-JP" dirty="0"/>
-                        <a:t>(</a:t>
-                      </a:r>
-                      <a:r>
-                        <a:rPr kumimoji="1" lang="ja-JP" altLang="en-US" dirty="0"/>
-                        <a:t>望月・上田・鈴木</a:t>
-                      </a:r>
-                      <a:r>
-                        <a:rPr kumimoji="1" lang="en-US" altLang="ja-JP" dirty="0"/>
-                        <a:t>)</a:t>
-                      </a:r>
-                    </a:p>
-                    <a:p>
-                      <a:pPr algn="l"/>
-                      <a:r>
-                        <a:rPr kumimoji="1" lang="ja-JP" altLang="en-US" dirty="0"/>
-                        <a:t>・</a:t>
-                      </a:r>
-                      <a:r>
-                        <a:rPr kumimoji="1" lang="en-US" altLang="ja-JP" dirty="0"/>
-                        <a:t>11/15</a:t>
-                      </a:r>
-                      <a:r>
-                        <a:rPr kumimoji="1" lang="ja-JP" altLang="en-US" dirty="0"/>
-                        <a:t>の作業の続き→対応完了　</a:t>
-                      </a:r>
-                      <a:endParaRPr kumimoji="1" lang="en-US" altLang="ja-JP" dirty="0">
-                        <a:solidFill>
-                          <a:srgbClr val="FF0000"/>
-                        </a:solidFill>
-                      </a:endParaRPr>
-                    </a:p>
-                  </a:txBody>
-                  <a:tcPr>
-                    <a:lnL w="12700" cap="flat" cmpd="sng" algn="ctr">
-                      <a:solidFill>
-                        <a:schemeClr val="tx1"/>
-                      </a:solidFill>
-                      <a:prstDash val="solid"/>
-                      <a:round/>
-                      <a:headEnd type="none" w="med" len="med"/>
-                      <a:tailEnd type="none" w="med" len="med"/>
-                    </a:lnL>
-                    <a:lnR w="12700" cap="flat" cmpd="sng" algn="ctr">
-                      <a:solidFill>
-                        <a:schemeClr val="tx1"/>
-                      </a:solidFill>
-                      <a:prstDash val="solid"/>
-                      <a:round/>
-                      <a:headEnd type="none" w="med" len="med"/>
-                      <a:tailEnd type="none" w="med" len="med"/>
-                    </a:lnR>
-                    <a:lnT w="12700" cap="flat" cmpd="sng" algn="ctr">
-                      <a:solidFill>
-                        <a:schemeClr val="tx1"/>
-                      </a:solidFill>
-                      <a:prstDash val="solid"/>
-                      <a:round/>
-                      <a:headEnd type="none" w="med" len="med"/>
-                      <a:tailEnd type="none" w="med" len="med"/>
-                    </a:lnT>
-                    <a:lnB w="12700" cap="flat" cmpd="sng" algn="ctr">
-                      <a:solidFill>
-                        <a:schemeClr val="tx1"/>
-                      </a:solidFill>
-                      <a:prstDash val="solid"/>
-                      <a:round/>
-                      <a:headEnd type="none" w="med" len="med"/>
-                      <a:tailEnd type="none" w="med" len="med"/>
-                    </a:lnB>
-                  </a:tcPr>
-                </a:tc>
-                <a:extLst>
-                  <a:ext uri="{0D108BD9-81ED-4DB2-BD59-A6C34878D82A}">
-                    <a16:rowId xmlns:a16="http://schemas.microsoft.com/office/drawing/2014/main" val="1557024033"/>
-                  </a:ext>
-                </a:extLst>
-              </a:tr>
-              <a:tr h="730250">
-                <a:tc>
-                  <a:txBody>
-                    <a:bodyPr/>
-                    <a:lstStyle/>
-                    <a:p>
-                      <a:r>
-                        <a:rPr kumimoji="1" lang="en-US" altLang="ja-JP" dirty="0"/>
-                        <a:t>11/17</a:t>
-                      </a:r>
-                      <a:endParaRPr kumimoji="1" lang="ja-JP" altLang="en-US" dirty="0"/>
-                    </a:p>
-                  </a:txBody>
-                  <a:tcPr>
-                    <a:lnL w="12700" cap="flat" cmpd="sng" algn="ctr">
-                      <a:solidFill>
-                        <a:schemeClr val="tx1"/>
-                      </a:solidFill>
-                      <a:prstDash val="solid"/>
-                      <a:round/>
-                      <a:headEnd type="none" w="med" len="med"/>
-                      <a:tailEnd type="none" w="med" len="med"/>
-                    </a:lnL>
-                    <a:lnR w="12700" cap="flat" cmpd="sng" algn="ctr">
-                      <a:solidFill>
-                        <a:schemeClr val="tx1"/>
-                      </a:solidFill>
-                      <a:prstDash val="solid"/>
-                      <a:round/>
-                      <a:headEnd type="none" w="med" len="med"/>
-                      <a:tailEnd type="none" w="med" len="med"/>
-                    </a:lnR>
-                    <a:lnT w="12700" cap="flat" cmpd="sng" algn="ctr">
-                      <a:solidFill>
-                        <a:schemeClr val="tx1"/>
-                      </a:solidFill>
-                      <a:prstDash val="solid"/>
-                      <a:round/>
-                      <a:headEnd type="none" w="med" len="med"/>
-                      <a:tailEnd type="none" w="med" len="med"/>
-                    </a:lnT>
-                    <a:lnB w="12700" cap="flat" cmpd="sng" algn="ctr">
-                      <a:solidFill>
-                        <a:schemeClr val="tx1"/>
-                      </a:solidFill>
-                      <a:prstDash val="solid"/>
-                      <a:round/>
-                      <a:headEnd type="none" w="med" len="med"/>
-                      <a:tailEnd type="none" w="med" len="med"/>
-                    </a:lnB>
-                  </a:tcPr>
-                </a:tc>
-                <a:tc>
-                  <a:txBody>
-                    <a:bodyPr/>
-                    <a:lstStyle/>
-                    <a:p>
-                      <a:pPr marL="0" marR="0" lvl="0" indent="0" algn="l" defTabSz="914400" rtl="0" eaLnBrk="1" fontAlgn="auto" latinLnBrk="0" hangingPunct="1">
-                        <a:lnSpc>
-                          <a:spcPct val="100000"/>
-                        </a:lnSpc>
-                        <a:spcBef>
-                          <a:spcPts val="0"/>
-                        </a:spcBef>
-                        <a:spcAft>
-                          <a:spcPts val="0"/>
-                        </a:spcAft>
-                        <a:buClrTx/>
-                        <a:buSzTx/>
-                        <a:buFontTx/>
-                        <a:buNone/>
-                        <a:tabLst/>
-                        <a:defRPr/>
-                      </a:pPr>
-                      <a:r>
-                        <a:rPr kumimoji="1" lang="ja-JP" altLang="en-US" dirty="0"/>
-                        <a:t>会議実施</a:t>
-                      </a:r>
-                      <a:r>
-                        <a:rPr kumimoji="1" lang="en-US" altLang="ja-JP" dirty="0"/>
-                        <a:t>(</a:t>
-                      </a:r>
-                      <a:r>
-                        <a:rPr kumimoji="1" lang="ja-JP" altLang="en-US" dirty="0"/>
-                        <a:t>上田・山口、途中から望月</a:t>
-                      </a:r>
-                      <a:r>
-                        <a:rPr kumimoji="1" lang="en-US" altLang="ja-JP" dirty="0"/>
-                        <a:t>)</a:t>
-                      </a:r>
-                    </a:p>
-                    <a:p>
-                      <a:r>
-                        <a:rPr kumimoji="1" lang="ja-JP" altLang="en-US" dirty="0"/>
-                        <a:t>・</a:t>
-                      </a:r>
-                      <a:r>
-                        <a:rPr kumimoji="1" lang="en-US" altLang="ja-JP" dirty="0"/>
-                        <a:t>11/16</a:t>
-                      </a:r>
-                      <a:r>
-                        <a:rPr kumimoji="1" lang="ja-JP" altLang="en-US" dirty="0"/>
-                        <a:t>の修正を山口が確認→指摘箇所の修正</a:t>
-                      </a:r>
-                      <a:endParaRPr kumimoji="1" lang="en-US" altLang="ja-JP" dirty="0"/>
-                    </a:p>
-                    <a:p>
-                      <a:r>
-                        <a:rPr kumimoji="1" lang="ja-JP" altLang="en-US" dirty="0"/>
-                        <a:t>・すべての内容を統合しインスペクションに返答→</a:t>
-                      </a:r>
-                      <a:r>
-                        <a:rPr kumimoji="1" lang="en-US" altLang="ja-JP" dirty="0"/>
-                        <a:t>close</a:t>
-                      </a:r>
-                      <a:r>
-                        <a:rPr kumimoji="1" lang="ja-JP" altLang="en-US" dirty="0"/>
-                        <a:t>処理</a:t>
-                      </a:r>
-                      <a:endParaRPr kumimoji="1" lang="en-US" altLang="ja-JP" dirty="0"/>
-                    </a:p>
-                    <a:p>
-                      <a:r>
-                        <a:rPr kumimoji="1" lang="ja-JP" altLang="en-US" dirty="0"/>
-                        <a:t>・開発計画書の</a:t>
-                      </a:r>
-                      <a:r>
-                        <a:rPr kumimoji="1" lang="en-US" altLang="ja-JP" dirty="0"/>
-                        <a:t>12</a:t>
-                      </a:r>
-                      <a:r>
-                        <a:rPr kumimoji="1" lang="ja-JP" altLang="en-US" dirty="0"/>
-                        <a:t>月後半のスケジュールを追記</a:t>
-                      </a:r>
-                      <a:endParaRPr kumimoji="1" lang="en-US" altLang="ja-JP" dirty="0"/>
-                    </a:p>
-                    <a:p>
-                      <a:r>
-                        <a:rPr kumimoji="1" lang="en-US" altLang="ja-JP" dirty="0"/>
-                        <a:t>(</a:t>
-                      </a:r>
-                      <a:r>
-                        <a:rPr kumimoji="1" lang="ja-JP" altLang="en-US" dirty="0"/>
-                        <a:t>成果物の確認</a:t>
-                      </a:r>
-                      <a:r>
-                        <a:rPr kumimoji="1" lang="en-US" altLang="ja-JP" dirty="0"/>
-                        <a:t>&amp;</a:t>
-                      </a:r>
-                      <a:r>
-                        <a:rPr kumimoji="1" lang="ja-JP" altLang="en-US" dirty="0"/>
-                        <a:t>画面シナリオ完成版のピアレビュー</a:t>
-                      </a:r>
-                      <a:r>
-                        <a:rPr kumimoji="1" lang="en-US" altLang="ja-JP" dirty="0"/>
-                        <a:t>)</a:t>
-                      </a:r>
-                    </a:p>
-                  </a:txBody>
-                  <a:tcPr>
-                    <a:lnL w="12700" cap="flat" cmpd="sng" algn="ctr">
-                      <a:solidFill>
-                        <a:schemeClr val="tx1"/>
-                      </a:solidFill>
-                      <a:prstDash val="solid"/>
-                      <a:round/>
-                      <a:headEnd type="none" w="med" len="med"/>
-                      <a:tailEnd type="none" w="med" len="med"/>
-                    </a:lnL>
-                    <a:lnR w="12700" cap="flat" cmpd="sng" algn="ctr">
-                      <a:solidFill>
-                        <a:schemeClr val="tx1"/>
-                      </a:solidFill>
-                      <a:prstDash val="solid"/>
-                      <a:round/>
-                      <a:headEnd type="none" w="med" len="med"/>
-                      <a:tailEnd type="none" w="med" len="med"/>
-                    </a:lnR>
-                    <a:lnT w="12700" cap="flat" cmpd="sng" algn="ctr">
-                      <a:solidFill>
-                        <a:schemeClr val="tx1"/>
-                      </a:solidFill>
-                      <a:prstDash val="solid"/>
-                      <a:round/>
-                      <a:headEnd type="none" w="med" len="med"/>
-                      <a:tailEnd type="none" w="med" len="med"/>
-                    </a:lnT>
-                    <a:lnB w="12700" cap="flat" cmpd="sng" algn="ctr">
-                      <a:solidFill>
-                        <a:schemeClr val="tx1"/>
-                      </a:solidFill>
-                      <a:prstDash val="solid"/>
-                      <a:round/>
-                      <a:headEnd type="none" w="med" len="med"/>
-                      <a:tailEnd type="none" w="med" len="med"/>
-                    </a:lnB>
-                  </a:tcPr>
-                </a:tc>
-                <a:extLst>
-                  <a:ext uri="{0D108BD9-81ED-4DB2-BD59-A6C34878D82A}">
-                    <a16:rowId xmlns:a16="http://schemas.microsoft.com/office/drawing/2014/main" val="3302957857"/>
                   </a:ext>
                 </a:extLst>
               </a:tr>
@@ -6618,18 +6255,18 @@
 </file>
 
 <file path=customXml/item1.xml><?xml version="1.0" encoding="utf-8"?>
-<p:properties xmlns:p="http://schemas.microsoft.com/office/2006/metadata/properties" xmlns:xsi="http://www.w3.org/2001/XMLSchema-instance" xmlns:pc="http://schemas.microsoft.com/office/infopath/2007/PartnerControls">
-  <documentManagement/>
-</p:properties>
-</file>
-
-<file path=customXml/item2.xml><?xml version="1.0" encoding="utf-8"?>
 <?mso-contentType ?>
 <FormTemplates xmlns="http://schemas.microsoft.com/sharepoint/v3/contenttype/forms">
   <Display>DocumentLibraryForm</Display>
   <Edit>DocumentLibraryForm</Edit>
   <New>DocumentLibraryForm</New>
 </FormTemplates>
+</file>
+
+<file path=customXml/item2.xml><?xml version="1.0" encoding="utf-8"?>
+<p:properties xmlns:p="http://schemas.microsoft.com/office/2006/metadata/properties" xmlns:xsi="http://www.w3.org/2001/XMLSchema-instance" xmlns:pc="http://schemas.microsoft.com/office/infopath/2007/PartnerControls">
+  <documentManagement/>
+</p:properties>
 </file>
 
 <file path=customXml/item3.xml><?xml version="1.0" encoding="utf-8"?>
@@ -6844,6 +6481,14 @@
 </file>
 
 <file path=customXml/itemProps1.xml><?xml version="1.0" encoding="utf-8"?>
+<ds:datastoreItem xmlns:ds="http://schemas.openxmlformats.org/officeDocument/2006/customXml" ds:itemID="{0B889AC3-29F4-4B38-84AF-DD61438762AB}">
+  <ds:schemaRefs>
+    <ds:schemaRef ds:uri="http://schemas.microsoft.com/sharepoint/v3/contenttype/forms"/>
+  </ds:schemaRefs>
+</ds:datastoreItem>
+</file>
+
+<file path=customXml/itemProps2.xml><?xml version="1.0" encoding="utf-8"?>
 <ds:datastoreItem xmlns:ds="http://schemas.openxmlformats.org/officeDocument/2006/customXml" ds:itemID="{15BB682A-F5F4-4B83-8181-4FF6DA25F989}">
   <ds:schemaRefs>
     <ds:schemaRef ds:uri="http://purl.org/dc/terms/"/>
@@ -6856,14 +6501,6 @@
     <ds:schemaRef ds:uri="http://schemas.openxmlformats.org/package/2006/metadata/core-properties"/>
     <ds:schemaRef ds:uri="03b42572-40ee-439d-89b7-4808f8796931"/>
     <ds:schemaRef ds:uri="http://www.w3.org/XML/1998/namespace"/>
-  </ds:schemaRefs>
-</ds:datastoreItem>
-</file>
-
-<file path=customXml/itemProps2.xml><?xml version="1.0" encoding="utf-8"?>
-<ds:datastoreItem xmlns:ds="http://schemas.openxmlformats.org/officeDocument/2006/customXml" ds:itemID="{0B889AC3-29F4-4B38-84AF-DD61438762AB}">
-  <ds:schemaRefs>
-    <ds:schemaRef ds:uri="http://schemas.microsoft.com/sharepoint/v3/contenttype/forms"/>
   </ds:schemaRefs>
 </ds:datastoreItem>
 </file>
